--- a/ppt/Muster_OCPP_ADP_0512.pptx
+++ b/ppt/Muster_OCPP_ADP_0512.pptx
@@ -14,7 +14,7 @@
 
 <file path=ppt/slideLayouts/slideLayout1.xml><?xml version="1.0" encoding="utf-8"?>
 <p:sldLayout xmlns:a="http://schemas.openxmlformats.org/drawingml/2006/main" xmlns:p="http://schemas.openxmlformats.org/presentationml/2006/main" xmlns:r="http://schemas.openxmlformats.org/officeDocument/2006/relationships" xmlns:p14="http://schemas.microsoft.com/office/powerpoint/2010/main" xmlns:p15="http://schemas.microsoft.com/office/powerpoint/2012/main" xmlns:mc="http://schemas.openxmlformats.org/markup-compatibility/2006" type="tx" preserve="1">
-  <p:cSld name="Junfan_Jin">
+  <p:cSld name="标题4">
     <p:spTree>
       <p:nvGrpSpPr>
         <p:cNvPr id="1" name=""/>
@@ -31,7 +31,7 @@
       </p:grpSpPr>
       <p:sp>
         <p:nvSpPr>
-          <p:cNvPr id="13" name="PlaceHolder 1"/>
+          <p:cNvPr id="12" name="PlaceHolder 1"/>
           <p:cNvSpPr>
             <a:spLocks noGrp="1"/>
           </p:cNvSpPr>
@@ -41,8 +41,8 @@
         </p:nvSpPr>
         <p:spPr>
           <a:xfrm>
-            <a:off x="457200" y="548640"/>
-            <a:ext cx="7314480" cy="913680"/>
+            <a:off x="456840" y="549000"/>
+            <a:ext cx="7311240" cy="910440"/>
           </a:xfrm>
           <a:prstGeom prst="rect">
             <a:avLst/>
@@ -72,7 +72,7 @@
       </p:sp>
       <p:sp>
         <p:nvSpPr>
-          <p:cNvPr id="14" name="PlaceHolder 2"/>
+          <p:cNvPr id="13" name="PlaceHolder 2"/>
           <p:cNvSpPr>
             <a:spLocks noGrp="1"/>
           </p:cNvSpPr>
@@ -82,8 +82,8 @@
         </p:nvSpPr>
         <p:spPr>
           <a:xfrm>
-            <a:off x="457200" y="1828800"/>
-            <a:ext cx="9143280" cy="4571280"/>
+            <a:off x="456840" y="1828440"/>
+            <a:ext cx="9140040" cy="4568040"/>
           </a:xfrm>
           <a:prstGeom prst="rect">
             <a:avLst/>
@@ -122,6 +122,13 @@
 <file path=ppt/slideMasters/slideMaster1.xml><?xml version="1.0" encoding="utf-8"?>
 <p:sldMaster xmlns:a="http://schemas.openxmlformats.org/drawingml/2006/main" xmlns:p="http://schemas.openxmlformats.org/presentationml/2006/main" xmlns:r="http://schemas.openxmlformats.org/officeDocument/2006/relationships" xmlns:p14="http://schemas.microsoft.com/office/powerpoint/2010/main" xmlns:p15="http://schemas.microsoft.com/office/powerpoint/2012/main" xmlns:mc="http://schemas.openxmlformats.org/markup-compatibility/2006">
   <p:cSld>
+    <p:bg>
+      <p:bgPr>
+        <a:solidFill>
+          <a:srgbClr val="ffffff"/>
+        </a:solidFill>
+      </p:bgPr>
+    </p:bg>
     <p:spTree>
       <p:nvGrpSpPr>
         <p:cNvPr id="1" name=""/>
@@ -144,8 +151,8 @@
         </p:nvSpPr>
         <p:spPr>
           <a:xfrm flipV="1">
-            <a:off x="244800" y="204840"/>
-            <a:ext cx="9540720" cy="153720"/>
+            <a:off x="236520" y="204480"/>
+            <a:ext cx="9540000" cy="153360"/>
           </a:xfrm>
           <a:prstGeom prst="rect">
             <a:avLst/>
@@ -153,10 +160,11 @@
           <a:solidFill>
             <a:srgbClr val="075578"/>
           </a:solidFill>
-          <a:ln w="0">
+          <a:ln w="9360">
             <a:solidFill>
               <a:srgbClr val="075578"/>
             </a:solidFill>
+            <a:round/>
           </a:ln>
         </p:spPr>
         <p:style>
@@ -166,18 +174,27 @@
           <a:fontRef idx="minor"/>
         </p:style>
         <p:txBody>
-          <a:bodyPr lIns="90000" rIns="90000" tIns="45000" bIns="45000" anchor="ctr">
+          <a:bodyPr wrap="none" lIns="90000" rIns="90000" tIns="46800" bIns="46800" anchor="ctr">
             <a:noAutofit/>
           </a:bodyPr>
           <a:p>
             <a:pPr>
               <a:lnSpc>
-                <a:spcPct val="100000"/>
+                <a:spcPct val="93000"/>
               </a:lnSpc>
+              <a:spcBef>
+                <a:spcPts val="26"/>
+              </a:spcBef>
+              <a:spcAft>
+                <a:spcPts val="26"/>
+              </a:spcAft>
+              <a:tabLst>
+                <a:tab algn="l" pos="0"/>
+              </a:tabLst>
             </a:pPr>
             <a:endParaRPr b="0" lang="en-US" sz="1800" strike="noStrike" u="none">
               <a:solidFill>
-                <a:srgbClr val="ffffff"/>
+                <a:srgbClr val="000000"/>
               </a:solidFill>
               <a:uFillTx/>
               <a:latin typeface="Arial"/>
@@ -194,8 +211,8 @@
         </p:nvSpPr>
         <p:spPr>
           <a:xfrm>
-            <a:off x="5841000" y="7079760"/>
-            <a:ext cx="507960" cy="257400"/>
+            <a:off x="6703560" y="7078680"/>
+            <a:ext cx="694440" cy="256320"/>
           </a:xfrm>
           <a:prstGeom prst="rect">
             <a:avLst/>
@@ -220,8 +237,17 @@
               <a:lnSpc>
                 <a:spcPct val="100000"/>
               </a:lnSpc>
-            </a:pPr>
-            <a:fld id="{120339EC-D110-4F7F-B5CB-D9970B90A107}" type="slidenum">
+              <a:spcBef>
+                <a:spcPts val="26"/>
+              </a:spcBef>
+              <a:spcAft>
+                <a:spcPts val="26"/>
+              </a:spcAft>
+              <a:tabLst>
+                <a:tab algn="l" pos="0"/>
+              </a:tabLst>
+            </a:pPr>
+            <a:fld id="{DE7B2DA1-12C3-4086-BFEA-ABBBC8034379}" type="slidenum">
               <a:rPr b="0" lang="en-US" sz="1200" strike="noStrike" u="none">
                 <a:solidFill>
                   <a:srgbClr val="000000"/>
@@ -230,7 +256,7 @@
                 <a:latin typeface="Arial"/>
                 <a:ea typeface="DejaVu Sans"/>
               </a:rPr>
-              <a:t>&lt;编号&gt;</a:t>
+              <a:t>1</a:t>
             </a:fld>
             <a:endParaRPr b="0" lang="en-US" sz="1200" strike="noStrike" u="none">
               <a:solidFill>
@@ -250,8 +276,8 @@
         </p:nvSpPr>
         <p:spPr>
           <a:xfrm>
-            <a:off x="245160" y="407880"/>
-            <a:ext cx="9539280" cy="360"/>
+            <a:off x="236520" y="407880"/>
+            <a:ext cx="9539280" cy="1800"/>
           </a:xfrm>
           <a:prstGeom prst="line">
             <a:avLst/>
@@ -270,7 +296,7 @@
           <a:fontRef idx="minor"/>
         </p:style>
         <p:txBody>
-          <a:bodyPr lIns="94680" rIns="94680" tIns="-49680" bIns="-49680" anchor="ctr">
+          <a:bodyPr lIns="90000" rIns="90000" tIns="-45000" bIns="-45000" anchor="t">
             <a:noAutofit/>
           </a:bodyPr>
           <a:p>
@@ -293,8 +319,8 @@
         </p:nvSpPr>
         <p:spPr>
           <a:xfrm>
-            <a:off x="245160" y="1595880"/>
-            <a:ext cx="9539280" cy="360"/>
+            <a:off x="236520" y="1595520"/>
+            <a:ext cx="9539280" cy="1440"/>
           </a:xfrm>
           <a:prstGeom prst="line">
             <a:avLst/>
@@ -313,7 +339,7 @@
           <a:fontRef idx="minor"/>
         </p:style>
         <p:txBody>
-          <a:bodyPr lIns="94680" rIns="94680" tIns="-49680" bIns="-49680" anchor="ctr">
+          <a:bodyPr lIns="90000" rIns="90000" tIns="-45360" bIns="-45360" anchor="t">
             <a:noAutofit/>
           </a:bodyPr>
           <a:p>
@@ -328,49 +354,29 @@
           </a:p>
         </p:txBody>
       </p:sp>
-      <p:sp>
-        <p:nvSpPr>
-          <p:cNvPr id="4" name=""/>
-          <p:cNvSpPr/>
+      <p:pic>
+        <p:nvPicPr>
+          <p:cNvPr id="4" name="" descr=""/>
+          <p:cNvPicPr/>
           <p:nvPr/>
-        </p:nvSpPr>
-        <p:spPr>
-          <a:xfrm>
-            <a:off x="245160" y="7031880"/>
-            <a:ext cx="9539280" cy="360"/>
-          </a:xfrm>
-          <a:prstGeom prst="line">
-            <a:avLst/>
-          </a:prstGeom>
-          <a:ln w="9000">
-            <a:solidFill>
-              <a:srgbClr val="000000"/>
-            </a:solidFill>
-            <a:round/>
-          </a:ln>
-        </p:spPr>
-        <p:style>
-          <a:lnRef idx="0"/>
-          <a:fillRef idx="0"/>
-          <a:effectRef idx="0"/>
-          <a:fontRef idx="minor"/>
-        </p:style>
-        <p:txBody>
-          <a:bodyPr lIns="94680" rIns="94680" tIns="-49680" bIns="-49680" anchor="ctr">
-            <a:noAutofit/>
-          </a:bodyPr>
-          <a:p>
-            <a:endParaRPr b="0" lang="en-US" sz="1800" strike="noStrike" u="none">
-              <a:solidFill>
-                <a:srgbClr val="000000"/>
-              </a:solidFill>
-              <a:uFillTx/>
-              <a:latin typeface="Arial"/>
-              <a:ea typeface="DejaVu Sans"/>
-            </a:endParaRPr>
-          </a:p>
-        </p:txBody>
-      </p:sp>
+        </p:nvPicPr>
+        <p:blipFill>
+          <a:blip r:embed="rId2"/>
+          <a:stretch/>
+        </p:blipFill>
+        <p:spPr>
+          <a:xfrm>
+            <a:off x="7365960" y="7116840"/>
+            <a:ext cx="2358360" cy="378720"/>
+          </a:xfrm>
+          <a:prstGeom prst="rect">
+            <a:avLst/>
+          </a:prstGeom>
+          <a:ln w="0">
+            <a:noFill/>
+          </a:ln>
+        </p:spPr>
+      </p:pic>
       <p:pic>
         <p:nvPicPr>
           <p:cNvPr id="5" name="" descr=""/>
@@ -378,36 +384,13 @@
           <p:nvPr/>
         </p:nvPicPr>
         <p:blipFill>
-          <a:blip r:embed="rId2"/>
-          <a:stretch/>
-        </p:blipFill>
-        <p:spPr>
-          <a:xfrm>
-            <a:off x="7374600" y="7117560"/>
-            <a:ext cx="2359440" cy="379800"/>
-          </a:xfrm>
-          <a:prstGeom prst="rect">
-            <a:avLst/>
-          </a:prstGeom>
-          <a:ln w="0">
-            <a:noFill/>
-          </a:ln>
-        </p:spPr>
-      </p:pic>
-      <p:pic>
-        <p:nvPicPr>
-          <p:cNvPr id="6" name="" descr=""/>
-          <p:cNvPicPr/>
-          <p:nvPr/>
-        </p:nvPicPr>
-        <p:blipFill>
           <a:blip r:embed="rId3"/>
           <a:stretch/>
         </p:blipFill>
         <p:spPr>
           <a:xfrm>
-            <a:off x="7853760" y="541080"/>
-            <a:ext cx="2220480" cy="916920"/>
+            <a:off x="7845480" y="541440"/>
+            <a:ext cx="2220120" cy="916920"/>
           </a:xfrm>
           <a:prstGeom prst="rect">
             <a:avLst/>
@@ -419,14 +402,14 @@
       </p:pic>
       <p:sp>
         <p:nvSpPr>
-          <p:cNvPr id="7" name=""/>
+          <p:cNvPr id="6" name=""/>
           <p:cNvSpPr/>
           <p:nvPr/>
         </p:nvSpPr>
         <p:spPr>
           <a:xfrm>
-            <a:off x="268560" y="7079760"/>
-            <a:ext cx="1083240" cy="265680"/>
+            <a:off x="260280" y="7078680"/>
+            <a:ext cx="1083600" cy="266040"/>
           </a:xfrm>
           <a:prstGeom prst="rect">
             <a:avLst/>
@@ -452,8 +435,27 @@
                 <a:spcPct val="100000"/>
               </a:lnSpc>
               <a:spcBef>
-                <a:spcPts val="57"/>
-              </a:spcBef>
+                <a:spcPts val="74"/>
+              </a:spcBef>
+              <a:spcAft>
+                <a:spcPts val="26"/>
+              </a:spcAft>
+              <a:tabLst>
+                <a:tab algn="l" pos="0"/>
+                <a:tab algn="l" pos="914400"/>
+                <a:tab algn="l" pos="1828800"/>
+                <a:tab algn="l" pos="2743200"/>
+                <a:tab algn="l" pos="3657600"/>
+                <a:tab algn="l" pos="4572000"/>
+                <a:tab algn="l" pos="5486400"/>
+                <a:tab algn="l" pos="6400800"/>
+                <a:tab algn="l" pos="7315200"/>
+                <a:tab algn="l" pos="8229600"/>
+                <a:tab algn="l" pos="9144000"/>
+                <a:tab algn="l" pos="10058400"/>
+                <a:tab algn="l" pos="10333080"/>
+                <a:tab algn="l" pos="10782360"/>
+              </a:tabLst>
             </a:pPr>
             <a:r>
               <a:rPr b="0" lang="en-US" sz="1200" strike="noStrike" u="none">
@@ -489,14 +491,14 @@
       </p:sp>
       <p:sp>
         <p:nvSpPr>
-          <p:cNvPr id="8" name=""/>
+          <p:cNvPr id="7" name=""/>
           <p:cNvSpPr/>
           <p:nvPr/>
         </p:nvSpPr>
         <p:spPr>
           <a:xfrm>
-            <a:off x="1166400" y="7079760"/>
-            <a:ext cx="3625200" cy="435600"/>
+            <a:off x="1158840" y="7078680"/>
+            <a:ext cx="3625200" cy="435960"/>
           </a:xfrm>
           <a:prstGeom prst="rect">
             <a:avLst/>
@@ -522,8 +524,27 @@
                 <a:spcPct val="100000"/>
               </a:lnSpc>
               <a:spcBef>
-                <a:spcPts val="57"/>
-              </a:spcBef>
+                <a:spcPts val="74"/>
+              </a:spcBef>
+              <a:spcAft>
+                <a:spcPts val="26"/>
+              </a:spcAft>
+              <a:tabLst>
+                <a:tab algn="l" pos="0"/>
+                <a:tab algn="l" pos="914400"/>
+                <a:tab algn="l" pos="1828800"/>
+                <a:tab algn="l" pos="2743200"/>
+                <a:tab algn="l" pos="3657600"/>
+                <a:tab algn="l" pos="4572000"/>
+                <a:tab algn="l" pos="5486400"/>
+                <a:tab algn="l" pos="6400800"/>
+                <a:tab algn="l" pos="7315200"/>
+                <a:tab algn="l" pos="8229600"/>
+                <a:tab algn="l" pos="9144000"/>
+                <a:tab algn="l" pos="10058400"/>
+                <a:tab algn="l" pos="10333080"/>
+                <a:tab algn="l" pos="10782360"/>
+              </a:tabLst>
             </a:pPr>
             <a:r>
               <a:rPr b="0" lang="en-US" sz="1200" strike="noStrike" u="none">
@@ -550,8 +571,27 @@
                 <a:spcPct val="100000"/>
               </a:lnSpc>
               <a:spcBef>
-                <a:spcPts val="57"/>
-              </a:spcBef>
+                <a:spcPts val="74"/>
+              </a:spcBef>
+              <a:spcAft>
+                <a:spcPts val="26"/>
+              </a:spcAft>
+              <a:tabLst>
+                <a:tab algn="l" pos="0"/>
+                <a:tab algn="l" pos="914400"/>
+                <a:tab algn="l" pos="1828800"/>
+                <a:tab algn="l" pos="2743200"/>
+                <a:tab algn="l" pos="3657600"/>
+                <a:tab algn="l" pos="4572000"/>
+                <a:tab algn="l" pos="5486400"/>
+                <a:tab algn="l" pos="6400800"/>
+                <a:tab algn="l" pos="7315200"/>
+                <a:tab algn="l" pos="8229600"/>
+                <a:tab algn="l" pos="9144000"/>
+                <a:tab algn="l" pos="10058400"/>
+                <a:tab algn="l" pos="10333080"/>
+                <a:tab algn="l" pos="10782360"/>
+              </a:tabLst>
             </a:pPr>
             <a:r>
               <a:rPr b="0" lang="en-US" sz="1200" strike="noStrike" u="none">
@@ -576,14 +616,14 @@
       </p:sp>
       <p:sp>
         <p:nvSpPr>
-          <p:cNvPr id="9" name=""/>
+          <p:cNvPr id="8" name=""/>
           <p:cNvSpPr/>
           <p:nvPr/>
         </p:nvSpPr>
         <p:spPr>
           <a:xfrm>
-            <a:off x="4617720" y="7077600"/>
-            <a:ext cx="1117080" cy="259560"/>
+            <a:off x="4619520" y="7078680"/>
+            <a:ext cx="1972800" cy="418320"/>
           </a:xfrm>
           <a:prstGeom prst="rect">
             <a:avLst/>
@@ -608,6 +648,28 @@
               <a:lnSpc>
                 <a:spcPct val="100000"/>
               </a:lnSpc>
+              <a:spcBef>
+                <a:spcPts val="26"/>
+              </a:spcBef>
+              <a:spcAft>
+                <a:spcPts val="26"/>
+              </a:spcAft>
+              <a:tabLst>
+                <a:tab algn="l" pos="0"/>
+                <a:tab algn="l" pos="914400"/>
+                <a:tab algn="l" pos="1828800"/>
+                <a:tab algn="l" pos="2743200"/>
+                <a:tab algn="l" pos="3657600"/>
+                <a:tab algn="l" pos="4572000"/>
+                <a:tab algn="l" pos="5486400"/>
+                <a:tab algn="l" pos="6400800"/>
+                <a:tab algn="l" pos="7315200"/>
+                <a:tab algn="l" pos="8229600"/>
+                <a:tab algn="l" pos="9144000"/>
+                <a:tab algn="l" pos="10058400"/>
+                <a:tab algn="l" pos="10333080"/>
+                <a:tab algn="l" pos="10782360"/>
+              </a:tabLst>
             </a:pPr>
             <a:r>
               <a:rPr b="0" lang="en-US" sz="1200" strike="noStrike" u="none">
@@ -618,7 +680,65 @@
                 <a:latin typeface="Arial"/>
                 <a:ea typeface="DejaVu Sans"/>
               </a:rPr>
-              <a:t>| Junfan Jin</a:t>
+              <a:t>| Junfan Jin, Can Zeng, </a:t>
+            </a:r>
+            <a:endParaRPr b="0" lang="en-US" sz="1200" strike="noStrike" u="none">
+              <a:solidFill>
+                <a:srgbClr val="000000"/>
+              </a:solidFill>
+              <a:uFillTx/>
+              <a:latin typeface="Arial"/>
+            </a:endParaRPr>
+          </a:p>
+          <a:p>
+            <a:pPr>
+              <a:lnSpc>
+                <a:spcPct val="100000"/>
+              </a:lnSpc>
+              <a:spcBef>
+                <a:spcPts val="26"/>
+              </a:spcBef>
+              <a:spcAft>
+                <a:spcPts val="26"/>
+              </a:spcAft>
+              <a:tabLst>
+                <a:tab algn="l" pos="0"/>
+                <a:tab algn="l" pos="914400"/>
+                <a:tab algn="l" pos="1828800"/>
+                <a:tab algn="l" pos="2743200"/>
+                <a:tab algn="l" pos="3657600"/>
+                <a:tab algn="l" pos="4572000"/>
+                <a:tab algn="l" pos="5486400"/>
+                <a:tab algn="l" pos="6400800"/>
+                <a:tab algn="l" pos="7315200"/>
+                <a:tab algn="l" pos="8229600"/>
+                <a:tab algn="l" pos="9144000"/>
+                <a:tab algn="l" pos="10058400"/>
+                <a:tab algn="l" pos="10333080"/>
+                <a:tab algn="l" pos="10782360"/>
+              </a:tabLst>
+            </a:pPr>
+            <a:r>
+              <a:rPr b="0" lang="en-US" sz="1200" strike="noStrike" u="none">
+                <a:solidFill>
+                  <a:srgbClr val="000000"/>
+                </a:solidFill>
+                <a:uFillTx/>
+                <a:latin typeface="Arial"/>
+                <a:ea typeface="DejaVu Sans"/>
+              </a:rPr>
+              <a:t>  </a:t>
+            </a:r>
+            <a:r>
+              <a:rPr b="0" lang="en-US" sz="1200" strike="noStrike" u="none">
+                <a:solidFill>
+                  <a:srgbClr val="000000"/>
+                </a:solidFill>
+                <a:uFillTx/>
+                <a:latin typeface="Arial"/>
+                <a:ea typeface="DejaVu Sans"/>
+              </a:rPr>
+              <a:t>Yunan Jiang, Huang Chen</a:t>
             </a:r>
             <a:endParaRPr b="0" lang="en-US" sz="1200" strike="noStrike" u="none">
               <a:solidFill>
@@ -632,21 +752,23 @@
       </p:sp>
       <p:sp>
         <p:nvSpPr>
-          <p:cNvPr id="10" name=""/>
+          <p:cNvPr id="9" name=""/>
           <p:cNvSpPr/>
           <p:nvPr/>
         </p:nvSpPr>
         <p:spPr>
           <a:xfrm>
-            <a:off x="-527400" y="1677960"/>
-            <a:ext cx="9378360" cy="5187600"/>
-          </a:xfrm>
-          <a:prstGeom prst="rect">
-            <a:avLst/>
-          </a:prstGeom>
-          <a:noFill/>
-          <a:ln w="0">
-            <a:noFill/>
+            <a:off x="239760" y="7032600"/>
+            <a:ext cx="9539280" cy="1440"/>
+          </a:xfrm>
+          <a:prstGeom prst="line">
+            <a:avLst/>
+          </a:prstGeom>
+          <a:ln w="9000">
+            <a:solidFill>
+              <a:srgbClr val="000000"/>
+            </a:solidFill>
+            <a:round/>
           </a:ln>
         </p:spPr>
         <p:style>
@@ -656,29 +778,24 @@
           <a:fontRef idx="minor"/>
         </p:style>
         <p:txBody>
-          <a:bodyPr lIns="90000" rIns="90000" tIns="45000" bIns="45000" anchor="t">
-            <a:normAutofit/>
+          <a:bodyPr lIns="90000" rIns="90000" tIns="-45360" bIns="-45360" anchor="t">
+            <a:noAutofit/>
           </a:bodyPr>
           <a:p>
-            <a:pPr>
-              <a:lnSpc>
-                <a:spcPct val="100000"/>
-              </a:lnSpc>
-            </a:pPr>
-            <a:endParaRPr b="0" lang="en-US" sz="3200" strike="noStrike" u="none">
-              <a:solidFill>
-                <a:srgbClr val="000000"/>
-              </a:solidFill>
-              <a:uFillTx/>
-              <a:latin typeface="Arial"/>
-              <a:ea typeface="Noto Sans SC"/>
+            <a:endParaRPr b="0" lang="en-US" sz="1800" strike="noStrike" u="none">
+              <a:solidFill>
+                <a:srgbClr val="000000"/>
+              </a:solidFill>
+              <a:uFillTx/>
+              <a:latin typeface="Arial"/>
+              <a:ea typeface="DejaVu Sans"/>
             </a:endParaRPr>
           </a:p>
         </p:txBody>
       </p:sp>
       <p:sp>
         <p:nvSpPr>
-          <p:cNvPr id="11" name="PlaceHolder 1"/>
+          <p:cNvPr id="10" name="PlaceHolder 1"/>
           <p:cNvSpPr>
             <a:spLocks noGrp="1"/>
           </p:cNvSpPr>
@@ -688,8 +805,8 @@
         </p:nvSpPr>
         <p:spPr>
           <a:xfrm>
-            <a:off x="457200" y="548640"/>
-            <a:ext cx="7314480" cy="913680"/>
+            <a:off x="456840" y="549000"/>
+            <a:ext cx="7311240" cy="910440"/>
           </a:xfrm>
           <a:prstGeom prst="rect">
             <a:avLst/>
@@ -729,7 +846,7 @@
       </p:sp>
       <p:sp>
         <p:nvSpPr>
-          <p:cNvPr id="12" name="PlaceHolder 2"/>
+          <p:cNvPr id="11" name="PlaceHolder 2"/>
           <p:cNvSpPr>
             <a:spLocks noGrp="1"/>
           </p:cNvSpPr>
@@ -739,8 +856,8 @@
         </p:nvSpPr>
         <p:spPr>
           <a:xfrm>
-            <a:off x="457200" y="1828800"/>
-            <a:ext cx="9143280" cy="4571280"/>
+            <a:off x="456840" y="1828440"/>
+            <a:ext cx="9140040" cy="4568040"/>
           </a:xfrm>
           <a:prstGeom prst="rect">
             <a:avLst/>
@@ -994,7 +1111,7 @@
       </p:grpSpPr>
       <p:sp>
         <p:nvSpPr>
-          <p:cNvPr id="15" name="PlaceHolder 1"/>
+          <p:cNvPr id="14" name="PlaceHolder 1"/>
           <p:cNvSpPr>
             <a:spLocks noGrp="1"/>
           </p:cNvSpPr>
@@ -1004,8 +1121,8 @@
         </p:nvSpPr>
         <p:spPr>
           <a:xfrm>
-            <a:off x="381960" y="541080"/>
-            <a:ext cx="7470000" cy="944640"/>
+            <a:off x="382680" y="541440"/>
+            <a:ext cx="7470000" cy="943920"/>
           </a:xfrm>
           <a:prstGeom prst="rect">
             <a:avLst/>
@@ -1035,7 +1152,7 @@
       </p:sp>
       <p:sp>
         <p:nvSpPr>
-          <p:cNvPr id="16" name="PlaceHolder 2"/>
+          <p:cNvPr id="15" name="PlaceHolder 2"/>
           <p:cNvSpPr>
             <a:spLocks noGrp="1"/>
           </p:cNvSpPr>
@@ -1045,8 +1162,8 @@
         </p:nvSpPr>
         <p:spPr>
           <a:xfrm>
-            <a:off x="335520" y="1732320"/>
-            <a:ext cx="9378000" cy="5187240"/>
+            <a:off x="334440" y="1731600"/>
+            <a:ext cx="9378360" cy="5187240"/>
           </a:xfrm>
           <a:prstGeom prst="rect">
             <a:avLst/>
@@ -1057,7 +1174,7 @@
           </a:ln>
         </p:spPr>
         <p:txBody>
-          <a:bodyPr lIns="0" rIns="0" tIns="0" bIns="0" anchor="t">
+          <a:bodyPr lIns="0" rIns="0" tIns="28440" bIns="0" anchor="t">
             <a:normAutofit/>
           </a:bodyPr>
           <a:p>

--- a/ppt/Muster_OCPP_ADP_0512.pptx
+++ b/ppt/Muster_OCPP_ADP_0512.pptx
@@ -42,7 +42,7 @@
         <p:spPr>
           <a:xfrm>
             <a:off x="456840" y="549000"/>
-            <a:ext cx="7311240" cy="910440"/>
+            <a:ext cx="7310880" cy="910080"/>
           </a:xfrm>
           <a:prstGeom prst="rect">
             <a:avLst/>
@@ -83,7 +83,7 @@
         <p:spPr>
           <a:xfrm>
             <a:off x="456840" y="1828440"/>
-            <a:ext cx="9140040" cy="4568040"/>
+            <a:ext cx="9139680" cy="4567680"/>
           </a:xfrm>
           <a:prstGeom prst="rect">
             <a:avLst/>
@@ -151,8 +151,8 @@
         </p:nvSpPr>
         <p:spPr>
           <a:xfrm flipV="1">
-            <a:off x="236520" y="204480"/>
-            <a:ext cx="9540000" cy="153360"/>
+            <a:off x="236520" y="203400"/>
+            <a:ext cx="9539640" cy="153000"/>
           </a:xfrm>
           <a:prstGeom prst="rect">
             <a:avLst/>
@@ -211,8 +211,8 @@
         </p:nvSpPr>
         <p:spPr>
           <a:xfrm>
-            <a:off x="6703560" y="7078680"/>
-            <a:ext cx="694440" cy="256320"/>
+            <a:off x="5943600" y="7077600"/>
+            <a:ext cx="694080" cy="255960"/>
           </a:xfrm>
           <a:prstGeom prst="rect">
             <a:avLst/>
@@ -247,7 +247,7 @@
                 <a:tab algn="l" pos="0"/>
               </a:tabLst>
             </a:pPr>
-            <a:fld id="{DE7B2DA1-12C3-4086-BFEA-ABBBC8034379}" type="slidenum">
+            <a:fld id="{6F92EBCB-B9AB-4756-A663-A83D470F9BDB}" type="slidenum">
               <a:rPr b="0" lang="en-US" sz="1200" strike="noStrike" u="none">
                 <a:solidFill>
                   <a:srgbClr val="000000"/>
@@ -256,7 +256,7 @@
                 <a:latin typeface="Arial"/>
                 <a:ea typeface="DejaVu Sans"/>
               </a:rPr>
-              <a:t>1</a:t>
+              <a:t>&lt;编号&gt;</a:t>
             </a:fld>
             <a:endParaRPr b="0" lang="en-US" sz="1200" strike="noStrike" u="none">
               <a:solidFill>
@@ -367,7 +367,7 @@
         <p:spPr>
           <a:xfrm>
             <a:off x="7365960" y="7116840"/>
-            <a:ext cx="2358360" cy="378720"/>
+            <a:ext cx="2358000" cy="378360"/>
           </a:xfrm>
           <a:prstGeom prst="rect">
             <a:avLst/>
@@ -390,7 +390,7 @@
         <p:spPr>
           <a:xfrm>
             <a:off x="7845480" y="541440"/>
-            <a:ext cx="2220120" cy="916920"/>
+            <a:ext cx="2219760" cy="916560"/>
           </a:xfrm>
           <a:prstGeom prst="rect">
             <a:avLst/>
@@ -409,7 +409,7 @@
         <p:spPr>
           <a:xfrm>
             <a:off x="260280" y="7078680"/>
-            <a:ext cx="1083600" cy="266040"/>
+            <a:ext cx="1083240" cy="265680"/>
           </a:xfrm>
           <a:prstGeom prst="rect">
             <a:avLst/>
@@ -498,7 +498,7 @@
         <p:spPr>
           <a:xfrm>
             <a:off x="1158840" y="7078680"/>
-            <a:ext cx="3625200" cy="435960"/>
+            <a:ext cx="3624840" cy="435600"/>
           </a:xfrm>
           <a:prstGeom prst="rect">
             <a:avLst/>
@@ -524,7 +524,85 @@
                 <a:spcPct val="100000"/>
               </a:lnSpc>
               <a:spcBef>
-                <a:spcPts val="74"/>
+                <a:spcPts val="1191"/>
+              </a:spcBef>
+              <a:spcAft>
+                <a:spcPts val="992"/>
+              </a:spcAft>
+              <a:tabLst>
+                <a:tab algn="l" pos="0"/>
+                <a:tab algn="l" pos="914400"/>
+                <a:tab algn="l" pos="1828800"/>
+                <a:tab algn="l" pos="2743200"/>
+                <a:tab algn="l" pos="3657600"/>
+                <a:tab algn="l" pos="4572000"/>
+                <a:tab algn="l" pos="5486400"/>
+                <a:tab algn="l" pos="6400800"/>
+                <a:tab algn="l" pos="7315200"/>
+                <a:tab algn="l" pos="8229600"/>
+                <a:tab algn="l" pos="9144000"/>
+                <a:tab algn="l" pos="10058400"/>
+                <a:tab algn="l" pos="10333080"/>
+                <a:tab algn="l" pos="10782360"/>
+              </a:tabLst>
+            </a:pPr>
+            <a:r>
+              <a:rPr b="0" lang="en-US" sz="1200" strike="noStrike" u="none">
+                <a:solidFill>
+                  <a:srgbClr val="000000"/>
+                </a:solidFill>
+                <a:uFillTx/>
+                <a:latin typeface="Arial"/>
+                <a:ea typeface="DejaVu Sans"/>
+              </a:rPr>
+              <a:t>Charging Station Upgrade to OCPP Communication for Smart Charging </a:t>
+            </a:r>
+            <a:endParaRPr b="0" lang="en-US" sz="1200" strike="noStrike" u="none">
+              <a:solidFill>
+                <a:srgbClr val="000000"/>
+              </a:solidFill>
+              <a:uFillTx/>
+              <a:latin typeface="Arial"/>
+            </a:endParaRPr>
+          </a:p>
+        </p:txBody>
+      </p:sp>
+      <p:sp>
+        <p:nvSpPr>
+          <p:cNvPr id="8" name=""/>
+          <p:cNvSpPr/>
+          <p:nvPr/>
+        </p:nvSpPr>
+        <p:spPr>
+          <a:xfrm>
+            <a:off x="3620880" y="7077600"/>
+            <a:ext cx="1972440" cy="417960"/>
+          </a:xfrm>
+          <a:prstGeom prst="rect">
+            <a:avLst/>
+          </a:prstGeom>
+          <a:noFill/>
+          <a:ln w="0">
+            <a:noFill/>
+          </a:ln>
+        </p:spPr>
+        <p:style>
+          <a:lnRef idx="0"/>
+          <a:fillRef idx="0"/>
+          <a:effectRef idx="0"/>
+          <a:fontRef idx="minor"/>
+        </p:style>
+        <p:txBody>
+          <a:bodyPr wrap="none" lIns="90000" rIns="90000" tIns="45000" bIns="45000" anchor="t">
+            <a:noAutofit/>
+          </a:bodyPr>
+          <a:p>
+            <a:pPr>
+              <a:lnSpc>
+                <a:spcPct val="100000"/>
+              </a:lnSpc>
+              <a:spcBef>
+                <a:spcPts val="26"/>
               </a:spcBef>
               <a:spcAft>
                 <a:spcPts val="26"/>
@@ -555,7 +633,7 @@
                 <a:latin typeface="Arial"/>
                 <a:ea typeface="DejaVu Sans"/>
               </a:rPr>
-              <a:t>Ladesäulen-Aufrüstung auf OCPP-Kommunikation </a:t>
+              <a:t>| Junfan Jin, Can Zeng, </a:t>
             </a:r>
             <a:endParaRPr b="0" lang="en-US" sz="1200" strike="noStrike" u="none">
               <a:solidFill>
@@ -571,7 +649,7 @@
                 <a:spcPct val="100000"/>
               </a:lnSpc>
               <a:spcBef>
-                <a:spcPts val="74"/>
+                <a:spcPts val="26"/>
               </a:spcBef>
               <a:spcAft>
                 <a:spcPts val="26"/>
@@ -602,131 +680,6 @@
                 <a:latin typeface="Arial"/>
                 <a:ea typeface="DejaVu Sans"/>
               </a:rPr>
-              <a:t>für Intelligentes Laden</a:t>
-            </a:r>
-            <a:endParaRPr b="0" lang="en-US" sz="1200" strike="noStrike" u="none">
-              <a:solidFill>
-                <a:srgbClr val="000000"/>
-              </a:solidFill>
-              <a:uFillTx/>
-              <a:latin typeface="Arial"/>
-            </a:endParaRPr>
-          </a:p>
-        </p:txBody>
-      </p:sp>
-      <p:sp>
-        <p:nvSpPr>
-          <p:cNvPr id="8" name=""/>
-          <p:cNvSpPr/>
-          <p:nvPr/>
-        </p:nvSpPr>
-        <p:spPr>
-          <a:xfrm>
-            <a:off x="4619520" y="7078680"/>
-            <a:ext cx="1972800" cy="418320"/>
-          </a:xfrm>
-          <a:prstGeom prst="rect">
-            <a:avLst/>
-          </a:prstGeom>
-          <a:noFill/>
-          <a:ln w="0">
-            <a:noFill/>
-          </a:ln>
-        </p:spPr>
-        <p:style>
-          <a:lnRef idx="0"/>
-          <a:fillRef idx="0"/>
-          <a:effectRef idx="0"/>
-          <a:fontRef idx="minor"/>
-        </p:style>
-        <p:txBody>
-          <a:bodyPr wrap="none" lIns="90000" rIns="90000" tIns="45000" bIns="45000" anchor="t">
-            <a:noAutofit/>
-          </a:bodyPr>
-          <a:p>
-            <a:pPr>
-              <a:lnSpc>
-                <a:spcPct val="100000"/>
-              </a:lnSpc>
-              <a:spcBef>
-                <a:spcPts val="26"/>
-              </a:spcBef>
-              <a:spcAft>
-                <a:spcPts val="26"/>
-              </a:spcAft>
-              <a:tabLst>
-                <a:tab algn="l" pos="0"/>
-                <a:tab algn="l" pos="914400"/>
-                <a:tab algn="l" pos="1828800"/>
-                <a:tab algn="l" pos="2743200"/>
-                <a:tab algn="l" pos="3657600"/>
-                <a:tab algn="l" pos="4572000"/>
-                <a:tab algn="l" pos="5486400"/>
-                <a:tab algn="l" pos="6400800"/>
-                <a:tab algn="l" pos="7315200"/>
-                <a:tab algn="l" pos="8229600"/>
-                <a:tab algn="l" pos="9144000"/>
-                <a:tab algn="l" pos="10058400"/>
-                <a:tab algn="l" pos="10333080"/>
-                <a:tab algn="l" pos="10782360"/>
-              </a:tabLst>
-            </a:pPr>
-            <a:r>
-              <a:rPr b="0" lang="en-US" sz="1200" strike="noStrike" u="none">
-                <a:solidFill>
-                  <a:srgbClr val="000000"/>
-                </a:solidFill>
-                <a:uFillTx/>
-                <a:latin typeface="Arial"/>
-                <a:ea typeface="DejaVu Sans"/>
-              </a:rPr>
-              <a:t>| Junfan Jin, Can Zeng, </a:t>
-            </a:r>
-            <a:endParaRPr b="0" lang="en-US" sz="1200" strike="noStrike" u="none">
-              <a:solidFill>
-                <a:srgbClr val="000000"/>
-              </a:solidFill>
-              <a:uFillTx/>
-              <a:latin typeface="Arial"/>
-            </a:endParaRPr>
-          </a:p>
-          <a:p>
-            <a:pPr>
-              <a:lnSpc>
-                <a:spcPct val="100000"/>
-              </a:lnSpc>
-              <a:spcBef>
-                <a:spcPts val="26"/>
-              </a:spcBef>
-              <a:spcAft>
-                <a:spcPts val="26"/>
-              </a:spcAft>
-              <a:tabLst>
-                <a:tab algn="l" pos="0"/>
-                <a:tab algn="l" pos="914400"/>
-                <a:tab algn="l" pos="1828800"/>
-                <a:tab algn="l" pos="2743200"/>
-                <a:tab algn="l" pos="3657600"/>
-                <a:tab algn="l" pos="4572000"/>
-                <a:tab algn="l" pos="5486400"/>
-                <a:tab algn="l" pos="6400800"/>
-                <a:tab algn="l" pos="7315200"/>
-                <a:tab algn="l" pos="8229600"/>
-                <a:tab algn="l" pos="9144000"/>
-                <a:tab algn="l" pos="10058400"/>
-                <a:tab algn="l" pos="10333080"/>
-                <a:tab algn="l" pos="10782360"/>
-              </a:tabLst>
-            </a:pPr>
-            <a:r>
-              <a:rPr b="0" lang="en-US" sz="1200" strike="noStrike" u="none">
-                <a:solidFill>
-                  <a:srgbClr val="000000"/>
-                </a:solidFill>
-                <a:uFillTx/>
-                <a:latin typeface="Arial"/>
-                <a:ea typeface="DejaVu Sans"/>
-              </a:rPr>
               <a:t>  </a:t>
             </a:r>
             <a:r>
@@ -806,7 +759,7 @@
         <p:spPr>
           <a:xfrm>
             <a:off x="456840" y="549000"/>
-            <a:ext cx="7311240" cy="910440"/>
+            <a:ext cx="7310880" cy="910080"/>
           </a:xfrm>
           <a:prstGeom prst="rect">
             <a:avLst/>
@@ -857,7 +810,7 @@
         <p:spPr>
           <a:xfrm>
             <a:off x="456840" y="1828440"/>
-            <a:ext cx="9140040" cy="4568040"/>
+            <a:ext cx="9139680" cy="4567680"/>
           </a:xfrm>
           <a:prstGeom prst="rect">
             <a:avLst/>
@@ -1122,7 +1075,7 @@
         <p:spPr>
           <a:xfrm>
             <a:off x="382680" y="541440"/>
-            <a:ext cx="7470000" cy="943920"/>
+            <a:ext cx="7469640" cy="943560"/>
           </a:xfrm>
           <a:prstGeom prst="rect">
             <a:avLst/>
@@ -1163,7 +1116,7 @@
         <p:spPr>
           <a:xfrm>
             <a:off x="334440" y="1731600"/>
-            <a:ext cx="9378360" cy="5187240"/>
+            <a:ext cx="9378000" cy="5186880"/>
           </a:xfrm>
           <a:prstGeom prst="rect">
             <a:avLst/>
